--- a/TypingMachineLearning_Hackfest2018.pptx
+++ b/TypingMachineLearning_Hackfest2018.pptx
@@ -5,18 +5,20 @@
     <p:sldMasterId id="2147483686" r:id="rId1"/>
   </p:sldMasterIdLst>
   <p:notesMasterIdLst>
-    <p:notesMasterId r:id="rId8"/>
+    <p:notesMasterId r:id="rId10"/>
   </p:notesMasterIdLst>
   <p:handoutMasterIdLst>
-    <p:handoutMasterId r:id="rId9"/>
+    <p:handoutMasterId r:id="rId11"/>
   </p:handoutMasterIdLst>
   <p:sldIdLst>
     <p:sldId id="655" r:id="rId2"/>
     <p:sldId id="665" r:id="rId3"/>
     <p:sldId id="666" r:id="rId4"/>
-    <p:sldId id="668" r:id="rId5"/>
-    <p:sldId id="670" r:id="rId6"/>
-    <p:sldId id="669" r:id="rId7"/>
+    <p:sldId id="671" r:id="rId5"/>
+    <p:sldId id="672" r:id="rId6"/>
+    <p:sldId id="668" r:id="rId7"/>
+    <p:sldId id="670" r:id="rId8"/>
+    <p:sldId id="669" r:id="rId9"/>
   </p:sldIdLst>
   <p:sldSz cx="9144000" cy="5143500" type="screen16x9"/>
   <p:notesSz cx="6858000" cy="9144000"/>
@@ -302,7 +304,7 @@
               <a:rPr lang="en-AU" smtClean="0">
                 <a:latin typeface="Arial" charset="0"/>
               </a:rPr>
-              <a:t>26/07/2018</a:t>
+              <a:t>27/07/2018</a:t>
             </a:fld>
             <a:endParaRPr lang="en-AU" dirty="0">
               <a:latin typeface="Arial" charset="0"/>
@@ -480,7 +482,7 @@
             <a:fld id="{7A6A88EB-A7E8-4D69-B7BE-E7076A0665D5}" type="datetimeFigureOut">
               <a:rPr lang="en-AU" smtClean="0"/>
               <a:pPr/>
-              <a:t>26/07/2018</a:t>
+              <a:t>27/07/2018</a:t>
             </a:fld>
             <a:endParaRPr lang="en-AU" dirty="0"/>
           </a:p>
@@ -5132,7 +5134,37 @@
           <a:p>
             <a:r>
               <a:rPr lang="en-US" dirty="0" smtClean="0"/>
-              <a:t>Create a system that tracks typing behaviors that can help validate the user</a:t>
+              <a:t>Behavioral Biometrics – multi-factor authentication</a:t>
+            </a:r>
+          </a:p>
+          <a:p>
+            <a:pPr lvl="1"/>
+            <a:r>
+              <a:rPr lang="en-US" dirty="0" smtClean="0"/>
+              <a:t>Active security, always checking for behavioral factors</a:t>
+            </a:r>
+            <a:endParaRPr lang="en-US" dirty="0" smtClean="0"/>
+          </a:p>
+          <a:p>
+            <a:r>
+              <a:rPr lang="en-US" dirty="0" smtClean="0"/>
+              <a:t>Create </a:t>
+            </a:r>
+            <a:r>
+              <a:rPr lang="en-US" dirty="0" smtClean="0"/>
+              <a:t>a system that tracks typing behaviors that can </a:t>
+            </a:r>
+            <a:r>
+              <a:rPr lang="en-US" dirty="0" smtClean="0"/>
+              <a:t>validate </a:t>
+            </a:r>
+            <a:r>
+              <a:rPr lang="en-US" dirty="0" smtClean="0"/>
+              <a:t>the </a:t>
+            </a:r>
+            <a:r>
+              <a:rPr lang="en-US" dirty="0" smtClean="0"/>
+              <a:t>user as authentic</a:t>
             </a:r>
             <a:endParaRPr lang="en-US" dirty="0"/>
           </a:p>
@@ -5147,8 +5179,9 @@
             <a:pPr lvl="1"/>
             <a:r>
               <a:rPr lang="en-US" dirty="0" smtClean="0"/>
-              <a:t>Percent Corrections</a:t>
-            </a:r>
+              <a:t>Typing Accuracy</a:t>
+            </a:r>
+            <a:endParaRPr lang="en-US" dirty="0" smtClean="0"/>
           </a:p>
           <a:p>
             <a:pPr lvl="1"/>
@@ -5161,20 +5194,24 @@
           <a:p>
             <a:r>
               <a:rPr lang="en-US" dirty="0" smtClean="0"/>
-              <a:t>Store the data for cross comparison against active user</a:t>
-            </a:r>
+              <a:t>Store the data for cross comparison against other users</a:t>
+            </a:r>
+            <a:endParaRPr lang="en-US" dirty="0" smtClean="0"/>
           </a:p>
           <a:p>
             <a:pPr lvl="1"/>
             <a:r>
               <a:rPr lang="en-US" dirty="0" smtClean="0"/>
-              <a:t>Does th</a:t>
+              <a:t>Does the typing style match the </a:t>
             </a:r>
             <a:r>
               <a:rPr lang="en-US" dirty="0" smtClean="0"/>
-              <a:t>e typing style match the logged-in user?</a:t>
-            </a:r>
-            <a:endParaRPr lang="en-US" dirty="0" smtClean="0"/>
+              <a:t>logged-in </a:t>
+            </a:r>
+            <a:r>
+              <a:rPr lang="en-US" dirty="0" smtClean="0"/>
+              <a:t>user?</a:t>
+            </a:r>
           </a:p>
         </p:txBody>
       </p:sp>
@@ -5264,20 +5301,56 @@
           <a:p>
             <a:r>
               <a:rPr lang="en-US" dirty="0" smtClean="0"/>
-              <a:t>A python script records keystrokes</a:t>
-            </a:r>
-          </a:p>
-          <a:p>
+              <a:t>A python script records </a:t>
+            </a:r>
             <a:r>
               <a:rPr lang="en-US" dirty="0" smtClean="0"/>
-              <a:t>Keystrokes are analyzed using K-means machine learning algorithm</a:t>
-            </a:r>
+              <a:t>metadata about keystrokes (such as WPM, key depress time, etc.)</a:t>
+            </a:r>
+            <a:endParaRPr lang="en-US" dirty="0" smtClean="0"/>
           </a:p>
           <a:p>
             <a:r>
               <a:rPr lang="en-US" dirty="0" smtClean="0"/>
-              <a:t>Data is cross referenced from the K-means clusters to determine if the active typist fits the active user’s statistics</a:t>
-            </a:r>
+              <a:t>A k-means machine learning model is trained on data points from each user</a:t>
+            </a:r>
+          </a:p>
+          <a:p>
+            <a:r>
+              <a:rPr lang="en-US" dirty="0" smtClean="0"/>
+              <a:t>Incoming data</a:t>
+            </a:r>
+            <a:r>
+              <a:rPr lang="en-US" dirty="0" smtClean="0"/>
+              <a:t> </a:t>
+            </a:r>
+            <a:r>
+              <a:rPr lang="en-US" dirty="0" smtClean="0"/>
+              <a:t>is classified using </a:t>
+            </a:r>
+            <a:r>
+              <a:rPr lang="en-US" dirty="0" smtClean="0"/>
+              <a:t>the </a:t>
+            </a:r>
+            <a:r>
+              <a:rPr lang="en-US" dirty="0"/>
+              <a:t>k</a:t>
+            </a:r>
+            <a:r>
+              <a:rPr lang="en-US" dirty="0" smtClean="0"/>
+              <a:t>-means model </a:t>
+            </a:r>
+            <a:r>
+              <a:rPr lang="en-US" dirty="0" smtClean="0"/>
+              <a:t>to determine if the active typist fits the active user’s </a:t>
+            </a:r>
+            <a:r>
+              <a:rPr lang="en-US" dirty="0" smtClean="0"/>
+              <a:t>statistics</a:t>
+            </a:r>
+          </a:p>
+          <a:p>
+            <a:endParaRPr lang="en-US" dirty="0" smtClean="0"/>
           </a:p>
         </p:txBody>
       </p:sp>
@@ -5348,7 +5421,7 @@
             <a:pPr algn="ctr"/>
             <a:r>
               <a:rPr lang="en-US" dirty="0" smtClean="0"/>
-              <a:t>The Practice</a:t>
+              <a:t>Data Collection</a:t>
             </a:r>
             <a:endParaRPr lang="en-US" dirty="0"/>
           </a:p>
@@ -5370,36 +5443,409 @@
           <a:lstStyle/>
           <a:p>
             <a:r>
+              <a:rPr lang="en-US" dirty="0"/>
+              <a:t>Split the Keyboard into 5 sections</a:t>
+            </a:r>
+          </a:p>
+          <a:p>
+            <a:r>
+              <a:rPr lang="en-US" dirty="0"/>
+              <a:t>Recorded the time from keypress to key-release</a:t>
+            </a:r>
+          </a:p>
+          <a:p>
+            <a:r>
+              <a:rPr lang="en-US" dirty="0"/>
+              <a:t>Recorded the time from section pressed, released, then section to section</a:t>
+            </a:r>
+          </a:p>
+          <a:p>
+            <a:r>
+              <a:rPr lang="en-US" dirty="0"/>
+              <a:t>Records any other special keys such as ‘Space’, ‘Shift(s)’, ‘Backspace’, and ‘Deletes</a:t>
+            </a:r>
+            <a:r>
               <a:rPr lang="en-US" dirty="0" smtClean="0"/>
-              <a:t>Computers which may be logged in for periods of time</a:t>
+              <a:t>’</a:t>
+            </a:r>
+          </a:p>
+          <a:p>
+            <a:r>
+              <a:rPr lang="en-US" dirty="0" smtClean="0"/>
+              <a:t>Formats data into a vector the machine learning algorithm can use</a:t>
+            </a:r>
+            <a:endParaRPr lang="en-US" dirty="0"/>
+          </a:p>
+          <a:p>
+            <a:r>
+              <a:rPr lang="en-US" dirty="0" smtClean="0"/>
+              <a:t>Ships data </a:t>
+            </a:r>
+            <a:r>
+              <a:rPr lang="en-US" dirty="0"/>
+              <a:t>to </a:t>
+            </a:r>
+            <a:r>
+              <a:rPr lang="en-US" dirty="0" smtClean="0"/>
+              <a:t>the machine learning server after a specified time of inactivity</a:t>
+            </a:r>
+            <a:endParaRPr lang="en-US" dirty="0"/>
+          </a:p>
+          <a:p>
+            <a:endParaRPr lang="en-US" dirty="0"/>
+          </a:p>
+        </p:txBody>
+      </p:sp>
+    </p:spTree>
+    <p:extLst>
+      <p:ext uri="{BB962C8B-B14F-4D97-AF65-F5344CB8AC3E}">
+        <p14:creationId xmlns:p14="http://schemas.microsoft.com/office/powerpoint/2010/main" val="4008799352"/>
+      </p:ext>
+    </p:extLst>
+  </p:cSld>
+  <p:clrMapOvr>
+    <a:masterClrMapping/>
+  </p:clrMapOvr>
+  <mc:AlternateContent xmlns:mc="http://schemas.openxmlformats.org/markup-compatibility/2006" xmlns:p14="http://schemas.microsoft.com/office/powerpoint/2010/main">
+    <mc:Choice Requires="p14">
+      <p:transition spd="med" p14:dur="700">
+        <p:fade/>
+      </p:transition>
+    </mc:Choice>
+    <mc:Fallback xmlns="">
+      <p:transition spd="med">
+        <p:fade/>
+      </p:transition>
+    </mc:Fallback>
+  </mc:AlternateContent>
+</p:sld>
+</file>
+
+<file path=ppt/slides/slide5.xml><?xml version="1.0" encoding="utf-8"?>
+<p:sld xmlns:a="http://schemas.openxmlformats.org/drawingml/2006/main" xmlns:r="http://schemas.openxmlformats.org/officeDocument/2006/relationships" xmlns:p="http://schemas.openxmlformats.org/presentationml/2006/main">
+  <p:cSld>
+    <p:spTree>
+      <p:nvGrpSpPr>
+        <p:cNvPr id="1" name=""/>
+        <p:cNvGrpSpPr/>
+        <p:nvPr/>
+      </p:nvGrpSpPr>
+      <p:grpSpPr>
+        <a:xfrm>
+          <a:off x="0" y="0"/>
+          <a:ext cx="0" cy="0"/>
+          <a:chOff x="0" y="0"/>
+          <a:chExt cx="0" cy="0"/>
+        </a:xfrm>
+      </p:grpSpPr>
+      <p:sp>
+        <p:nvSpPr>
+          <p:cNvPr id="3" name="Title 2"/>
+          <p:cNvSpPr>
+            <a:spLocks noGrp="1"/>
+          </p:cNvSpPr>
+          <p:nvPr>
+            <p:ph type="title"/>
+          </p:nvPr>
+        </p:nvSpPr>
+        <p:spPr/>
+        <p:txBody>
+          <a:bodyPr/>
+          <a:lstStyle/>
+          <a:p>
+            <a:pPr algn="ctr"/>
+            <a:r>
+              <a:rPr lang="en-US" dirty="0" smtClean="0"/>
+              <a:t>Machine Learning</a:t>
+            </a:r>
+            <a:endParaRPr lang="en-US" dirty="0"/>
+          </a:p>
+        </p:txBody>
+      </p:sp>
+      <p:sp>
+        <p:nvSpPr>
+          <p:cNvPr id="4" name="Text Placeholder 3"/>
+          <p:cNvSpPr>
+            <a:spLocks noGrp="1"/>
+          </p:cNvSpPr>
+          <p:nvPr>
+            <p:ph type="body" sz="quarter" idx="10"/>
+          </p:nvPr>
+        </p:nvSpPr>
+        <p:spPr>
+          <a:xfrm>
+            <a:off x="310896" y="1099267"/>
+            <a:ext cx="6481090" cy="3621024"/>
+          </a:xfrm>
+        </p:spPr>
+        <p:txBody>
+          <a:bodyPr/>
+          <a:lstStyle/>
+          <a:p>
+            <a:r>
+              <a:rPr lang="en-US" dirty="0" smtClean="0"/>
+              <a:t>K-Means – group data points into “clusters” based on distance from each other.</a:t>
+            </a:r>
+          </a:p>
+          <a:p>
+            <a:r>
+              <a:rPr lang="en-US" dirty="0" smtClean="0"/>
+              <a:t>Unsupervised learning – unlabeled data</a:t>
             </a:r>
           </a:p>
           <a:p>
             <a:pPr lvl="1"/>
             <a:r>
               <a:rPr lang="en-US" dirty="0" smtClean="0"/>
-              <a:t>TSA</a:t>
+              <a:t>Multiple users may have similar style, one user may have multiple styles</a:t>
+            </a:r>
+          </a:p>
+          <a:p>
+            <a:r>
+              <a:rPr lang="en-US" dirty="0" smtClean="0"/>
+              <a:t>“Elbow method” to find the optimal number of clusters.</a:t>
+            </a:r>
+          </a:p>
+          <a:p>
+            <a:r>
+              <a:rPr lang="en-US" dirty="0" smtClean="0"/>
+              <a:t>When we get a new data point – classify it.</a:t>
             </a:r>
           </a:p>
           <a:p>
             <a:pPr lvl="1"/>
             <a:r>
               <a:rPr lang="en-US" dirty="0" smtClean="0"/>
-              <a:t>Boarder Security</a:t>
+              <a:t>Call </a:t>
+            </a:r>
+            <a:r>
+              <a:rPr lang="en-US" dirty="0" err="1" smtClean="0"/>
+              <a:t>kmeans.predict</a:t>
+            </a:r>
+            <a:r>
+              <a:rPr lang="en-US" dirty="0" smtClean="0"/>
+              <a:t>() method on our model to predict the cluster that it will fall into</a:t>
+            </a:r>
+          </a:p>
+          <a:p>
+            <a:pPr lvl="1"/>
+            <a:r>
+              <a:rPr lang="en-US" dirty="0" smtClean="0"/>
+              <a:t>Compare against past classifications for that user – raise flags if unlikely classification.</a:t>
             </a:r>
             <a:endParaRPr lang="en-US" dirty="0"/>
           </a:p>
-          <a:p>
+        </p:txBody>
+      </p:sp>
+      <p:pic>
+        <p:nvPicPr>
+          <p:cNvPr id="5" name="Picture 4"/>
+          <p:cNvPicPr>
+            <a:picLocks noChangeAspect="1"/>
+          </p:cNvPicPr>
+          <p:nvPr/>
+        </p:nvPicPr>
+        <p:blipFill rotWithShape="1">
+          <a:blip r:embed="rId2">
+            <a:extLst>
+              <a:ext uri="{28A0092B-C50C-407E-A947-70E740481C1C}">
+                <a14:useLocalDpi xmlns:a14="http://schemas.microsoft.com/office/drawing/2010/main" val="0"/>
+              </a:ext>
+            </a:extLst>
+          </a:blip>
+          <a:srcRect l="8816" t="8962" r="47793" b="48489"/>
+          <a:stretch/>
+        </p:blipFill>
+        <p:spPr>
+          <a:xfrm>
+            <a:off x="6843163" y="2668216"/>
+            <a:ext cx="1999085" cy="1960216"/>
+          </a:xfrm>
+          <a:prstGeom prst="rect">
+            <a:avLst/>
+          </a:prstGeom>
+        </p:spPr>
+      </p:pic>
+      <p:pic>
+        <p:nvPicPr>
+          <p:cNvPr id="6" name="Picture 5"/>
+          <p:cNvPicPr>
+            <a:picLocks noChangeAspect="1"/>
+          </p:cNvPicPr>
+          <p:nvPr/>
+        </p:nvPicPr>
+        <p:blipFill rotWithShape="1">
+          <a:blip r:embed="rId3">
+            <a:extLst>
+              <a:ext uri="{28A0092B-C50C-407E-A947-70E740481C1C}">
+                <a14:useLocalDpi xmlns:a14="http://schemas.microsoft.com/office/drawing/2010/main" val="0"/>
+              </a:ext>
+            </a:extLst>
+          </a:blip>
+          <a:srcRect l="51638" r="7405"/>
+          <a:stretch/>
+        </p:blipFill>
+        <p:spPr>
+          <a:xfrm>
+            <a:off x="6791986" y="385337"/>
+            <a:ext cx="1765233" cy="2191020"/>
+          </a:xfrm>
+          <a:prstGeom prst="rect">
+            <a:avLst/>
+          </a:prstGeom>
+        </p:spPr>
+      </p:pic>
+    </p:spTree>
+    <p:extLst>
+      <p:ext uri="{BB962C8B-B14F-4D97-AF65-F5344CB8AC3E}">
+        <p14:creationId xmlns:p14="http://schemas.microsoft.com/office/powerpoint/2010/main" val="3028059524"/>
+      </p:ext>
+    </p:extLst>
+  </p:cSld>
+  <p:clrMapOvr>
+    <a:masterClrMapping/>
+  </p:clrMapOvr>
+  <mc:AlternateContent xmlns:mc="http://schemas.openxmlformats.org/markup-compatibility/2006" xmlns:p14="http://schemas.microsoft.com/office/powerpoint/2010/main">
+    <mc:Choice Requires="p14">
+      <p:transition spd="med" p14:dur="700">
+        <p:fade/>
+      </p:transition>
+    </mc:Choice>
+    <mc:Fallback xmlns="">
+      <p:transition spd="med">
+        <p:fade/>
+      </p:transition>
+    </mc:Fallback>
+  </mc:AlternateContent>
+</p:sld>
+</file>
+
+<file path=ppt/slides/slide6.xml><?xml version="1.0" encoding="utf-8"?>
+<p:sld xmlns:a="http://schemas.openxmlformats.org/drawingml/2006/main" xmlns:r="http://schemas.openxmlformats.org/officeDocument/2006/relationships" xmlns:p="http://schemas.openxmlformats.org/presentationml/2006/main">
+  <p:cSld>
+    <p:spTree>
+      <p:nvGrpSpPr>
+        <p:cNvPr id="1" name=""/>
+        <p:cNvGrpSpPr/>
+        <p:nvPr/>
+      </p:nvGrpSpPr>
+      <p:grpSpPr>
+        <a:xfrm>
+          <a:off x="0" y="0"/>
+          <a:ext cx="0" cy="0"/>
+          <a:chOff x="0" y="0"/>
+          <a:chExt cx="0" cy="0"/>
+        </a:xfrm>
+      </p:grpSpPr>
+      <p:sp>
+        <p:nvSpPr>
+          <p:cNvPr id="3" name="Title 2"/>
+          <p:cNvSpPr>
+            <a:spLocks noGrp="1"/>
+          </p:cNvSpPr>
+          <p:nvPr>
+            <p:ph type="title"/>
+          </p:nvPr>
+        </p:nvSpPr>
+        <p:spPr/>
+        <p:txBody>
+          <a:bodyPr/>
+          <a:lstStyle/>
+          <a:p>
+            <a:pPr algn="ctr"/>
             <a:r>
               <a:rPr lang="en-US" dirty="0" smtClean="0"/>
-              <a:t>Computers at risk for being left unattended</a:t>
+              <a:t>Application </a:t>
+            </a:r>
+            <a:endParaRPr lang="en-US" dirty="0"/>
+          </a:p>
+        </p:txBody>
+      </p:sp>
+      <p:sp>
+        <p:nvSpPr>
+          <p:cNvPr id="4" name="Text Placeholder 3"/>
+          <p:cNvSpPr>
+            <a:spLocks noGrp="1"/>
+          </p:cNvSpPr>
+          <p:nvPr>
+            <p:ph type="body" sz="quarter" idx="10"/>
+          </p:nvPr>
+        </p:nvSpPr>
+        <p:spPr/>
+        <p:txBody>
+          <a:bodyPr/>
+          <a:lstStyle/>
+          <a:p>
+            <a:r>
+              <a:rPr lang="en-US" dirty="0" smtClean="0"/>
+              <a:t>We have a system to classify typing as authentic or inauthentic</a:t>
             </a:r>
           </a:p>
           <a:p>
             <a:pPr lvl="1"/>
             <a:r>
               <a:rPr lang="en-US" dirty="0" smtClean="0"/>
-              <a:t>Personal / Office Computers</a:t>
+              <a:t>There needs to be a consequence to being labeled inauthentic</a:t>
+            </a:r>
+            <a:endParaRPr lang="en-US" dirty="0" smtClean="0"/>
+          </a:p>
+          <a:p>
+            <a:r>
+              <a:rPr lang="en-US" dirty="0" smtClean="0"/>
+              <a:t>Computers </a:t>
+            </a:r>
+            <a:r>
+              <a:rPr lang="en-US" dirty="0" smtClean="0"/>
+              <a:t>which may be logged in for periods of </a:t>
+            </a:r>
+            <a:r>
+              <a:rPr lang="en-US" dirty="0" smtClean="0"/>
+              <a:t>time in high-risk environments</a:t>
+            </a:r>
+            <a:endParaRPr lang="en-US" dirty="0" smtClean="0"/>
+          </a:p>
+          <a:p>
+            <a:pPr lvl="1"/>
+            <a:r>
+              <a:rPr lang="en-US" dirty="0" smtClean="0"/>
+              <a:t>TSA, Border Security</a:t>
+            </a:r>
+          </a:p>
+          <a:p>
+            <a:pPr lvl="1"/>
+            <a:r>
+              <a:rPr lang="en-US" dirty="0" smtClean="0"/>
+              <a:t>An inauthentic classification could lead to lock-out</a:t>
+            </a:r>
+          </a:p>
+          <a:p>
+            <a:r>
+              <a:rPr lang="en-US" dirty="0"/>
+              <a:t>Email Signing</a:t>
+            </a:r>
+          </a:p>
+          <a:p>
+            <a:pPr lvl="1"/>
+            <a:r>
+              <a:rPr lang="en-US" dirty="0"/>
+              <a:t>A user can type an email while our software is </a:t>
+            </a:r>
+            <a:r>
+              <a:rPr lang="en-US" dirty="0" smtClean="0"/>
+              <a:t>running</a:t>
+            </a:r>
+          </a:p>
+          <a:p>
+            <a:pPr lvl="1"/>
+            <a:r>
+              <a:rPr lang="en-US" dirty="0" smtClean="0"/>
+              <a:t>With an authentic classification, give the email an “authentic” signed certificate</a:t>
+            </a:r>
+          </a:p>
+          <a:p>
+            <a:r>
+              <a:rPr lang="en-US" dirty="0" smtClean="0"/>
+              <a:t>Extensible – can be applied in many ways</a:t>
             </a:r>
           </a:p>
         </p:txBody>
@@ -5436,7 +5882,7 @@
 </p:sld>
 </file>
 
-<file path=ppt/slides/slide5.xml><?xml version="1.0" encoding="utf-8"?>
+<file path=ppt/slides/slide7.xml><?xml version="1.0" encoding="utf-8"?>
 <p:sld xmlns:a="http://schemas.openxmlformats.org/drawingml/2006/main" xmlns:r="http://schemas.openxmlformats.org/officeDocument/2006/relationships" xmlns:p="http://schemas.openxmlformats.org/presentationml/2006/main">
   <p:cSld>
     <p:spTree>
@@ -5508,7 +5954,7 @@
 </p:sld>
 </file>
 
-<file path=ppt/slides/slide6.xml><?xml version="1.0" encoding="utf-8"?>
+<file path=ppt/slides/slide8.xml><?xml version="1.0" encoding="utf-8"?>
 <p:sld xmlns:a="http://schemas.openxmlformats.org/drawingml/2006/main" xmlns:r="http://schemas.openxmlformats.org/officeDocument/2006/relationships" xmlns:p="http://schemas.openxmlformats.org/presentationml/2006/main">
   <p:cSld>
     <p:spTree>
